--- a/NVMe_compare_vs_verify.pptx
+++ b/NVMe_compare_vs_verify.pptx
@@ -124,6 +124,9 @@
         </p14:section>
       </p14:sectionLst>
     </p:ext>
+    <p:ext uri="{EFAFB233-063F-42B5-8137-9DF3F51BA10A}">
+      <p15:sldGuideLst xmlns:p15="http://schemas.microsoft.com/office/powerpoint/2012/main"/>
+    </p:ext>
   </p:extLst>
 </p:presentation>
 </file>
@@ -275,7 +278,7 @@
           <a:p>
             <a:fld id="{C60DD106-9917-4ED0-8C28-3113E3A459FC}" type="datetimeFigureOut">
               <a:rPr kumimoji="1" lang="ja-JP" altLang="en-US" smtClean="0"/>
-              <a:t>2019/12/2</a:t>
+              <a:t>2020/4/25</a:t>
             </a:fld>
             <a:endParaRPr kumimoji="1" lang="ja-JP" altLang="en-US"/>
           </a:p>
@@ -505,7 +508,7 @@
           <a:p>
             <a:fld id="{C60DD106-9917-4ED0-8C28-3113E3A459FC}" type="datetimeFigureOut">
               <a:rPr kumimoji="1" lang="ja-JP" altLang="en-US" smtClean="0"/>
-              <a:t>2019/12/2</a:t>
+              <a:t>2020/4/25</a:t>
             </a:fld>
             <a:endParaRPr kumimoji="1" lang="ja-JP" altLang="en-US"/>
           </a:p>
@@ -745,7 +748,7 @@
           <a:p>
             <a:fld id="{C60DD106-9917-4ED0-8C28-3113E3A459FC}" type="datetimeFigureOut">
               <a:rPr kumimoji="1" lang="ja-JP" altLang="en-US" smtClean="0"/>
-              <a:t>2019/12/2</a:t>
+              <a:t>2020/4/25</a:t>
             </a:fld>
             <a:endParaRPr kumimoji="1" lang="ja-JP" altLang="en-US"/>
           </a:p>
@@ -975,7 +978,7 @@
           <a:p>
             <a:fld id="{C60DD106-9917-4ED0-8C28-3113E3A459FC}" type="datetimeFigureOut">
               <a:rPr kumimoji="1" lang="ja-JP" altLang="en-US" smtClean="0"/>
-              <a:t>2019/12/2</a:t>
+              <a:t>2020/4/25</a:t>
             </a:fld>
             <a:endParaRPr kumimoji="1" lang="ja-JP" altLang="en-US"/>
           </a:p>
@@ -1250,7 +1253,7 @@
           <a:p>
             <a:fld id="{C60DD106-9917-4ED0-8C28-3113E3A459FC}" type="datetimeFigureOut">
               <a:rPr kumimoji="1" lang="ja-JP" altLang="en-US" smtClean="0"/>
-              <a:t>2019/12/2</a:t>
+              <a:t>2020/4/25</a:t>
             </a:fld>
             <a:endParaRPr kumimoji="1" lang="ja-JP" altLang="en-US"/>
           </a:p>
@@ -1579,7 +1582,7 @@
           <a:p>
             <a:fld id="{C60DD106-9917-4ED0-8C28-3113E3A459FC}" type="datetimeFigureOut">
               <a:rPr kumimoji="1" lang="ja-JP" altLang="en-US" smtClean="0"/>
-              <a:t>2019/12/2</a:t>
+              <a:t>2020/4/25</a:t>
             </a:fld>
             <a:endParaRPr kumimoji="1" lang="ja-JP" altLang="en-US"/>
           </a:p>
@@ -2055,7 +2058,7 @@
           <a:p>
             <a:fld id="{C60DD106-9917-4ED0-8C28-3113E3A459FC}" type="datetimeFigureOut">
               <a:rPr kumimoji="1" lang="ja-JP" altLang="en-US" smtClean="0"/>
-              <a:t>2019/12/2</a:t>
+              <a:t>2020/4/25</a:t>
             </a:fld>
             <a:endParaRPr kumimoji="1" lang="ja-JP" altLang="en-US"/>
           </a:p>
@@ -2196,7 +2199,7 @@
           <a:p>
             <a:fld id="{C60DD106-9917-4ED0-8C28-3113E3A459FC}" type="datetimeFigureOut">
               <a:rPr kumimoji="1" lang="ja-JP" altLang="en-US" smtClean="0"/>
-              <a:t>2019/12/2</a:t>
+              <a:t>2020/4/25</a:t>
             </a:fld>
             <a:endParaRPr kumimoji="1" lang="ja-JP" altLang="en-US"/>
           </a:p>
@@ -2309,7 +2312,7 @@
           <a:p>
             <a:fld id="{C60DD106-9917-4ED0-8C28-3113E3A459FC}" type="datetimeFigureOut">
               <a:rPr kumimoji="1" lang="ja-JP" altLang="en-US" smtClean="0"/>
-              <a:t>2019/12/2</a:t>
+              <a:t>2020/4/25</a:t>
             </a:fld>
             <a:endParaRPr kumimoji="1" lang="ja-JP" altLang="en-US"/>
           </a:p>
@@ -2652,7 +2655,7 @@
           <a:p>
             <a:fld id="{C60DD106-9917-4ED0-8C28-3113E3A459FC}" type="datetimeFigureOut">
               <a:rPr kumimoji="1" lang="ja-JP" altLang="en-US" smtClean="0"/>
-              <a:t>2019/12/2</a:t>
+              <a:t>2020/4/25</a:t>
             </a:fld>
             <a:endParaRPr kumimoji="1" lang="ja-JP" altLang="en-US"/>
           </a:p>
@@ -2940,7 +2943,7 @@
           <a:p>
             <a:fld id="{C60DD106-9917-4ED0-8C28-3113E3A459FC}" type="datetimeFigureOut">
               <a:rPr kumimoji="1" lang="ja-JP" altLang="en-US" smtClean="0"/>
-              <a:t>2019/12/2</a:t>
+              <a:t>2020/4/25</a:t>
             </a:fld>
             <a:endParaRPr kumimoji="1" lang="ja-JP" altLang="en-US"/>
           </a:p>
@@ -3213,7 +3216,7 @@
           <a:p>
             <a:fld id="{C60DD106-9917-4ED0-8C28-3113E3A459FC}" type="datetimeFigureOut">
               <a:rPr kumimoji="1" lang="ja-JP" altLang="en-US" smtClean="0"/>
-              <a:t>2019/12/2</a:t>
+              <a:t>2020/4/25</a:t>
             </a:fld>
             <a:endParaRPr kumimoji="1" lang="ja-JP" altLang="en-US"/>
           </a:p>
@@ -4114,10 +4117,10 @@
           </a:p>
           <a:p>
             <a:r>
-              <a:rPr kumimoji="1" lang="ja-JP" altLang="en-US" dirty="0"/>
-              <a:t>データの転送はない</a:t>
-            </a:r>
-            <a:endParaRPr kumimoji="1" lang="en-US" altLang="ja-JP" dirty="0"/>
+              <a:rPr kumimoji="1" lang="ja-JP" altLang="en-US" b="1" dirty="0"/>
+              <a:t>ホストへのデータの転送はない</a:t>
+            </a:r>
+            <a:endParaRPr kumimoji="1" lang="en-US" altLang="ja-JP" b="1" dirty="0"/>
           </a:p>
           <a:p>
             <a:r>
